--- a/Student_conference/Relaxation_after_shockwave_ru.pptx
+++ b/Student_conference/Relaxation_after_shockwave_ru.pptx
@@ -5,18 +5,19 @@
     <p:sldMasterId id="2147483648" r:id="rId1"/>
   </p:sldMasterIdLst>
   <p:notesMasterIdLst>
-    <p:notesMasterId r:id="rId11"/>
+    <p:notesMasterId r:id="rId12"/>
   </p:notesMasterIdLst>
   <p:sldIdLst>
     <p:sldId id="300" r:id="rId2"/>
     <p:sldId id="301" r:id="rId3"/>
-    <p:sldId id="303" r:id="rId4"/>
-    <p:sldId id="320" r:id="rId5"/>
-    <p:sldId id="322" r:id="rId6"/>
-    <p:sldId id="317" r:id="rId7"/>
+    <p:sldId id="324" r:id="rId4"/>
+    <p:sldId id="303" r:id="rId5"/>
+    <p:sldId id="320" r:id="rId6"/>
+    <p:sldId id="322" r:id="rId7"/>
     <p:sldId id="321" r:id="rId8"/>
     <p:sldId id="323" r:id="rId9"/>
-    <p:sldId id="318" r:id="rId10"/>
+    <p:sldId id="326" r:id="rId10"/>
+    <p:sldId id="318" r:id="rId11"/>
   </p:sldIdLst>
   <p:sldSz cx="9144000" cy="6858000" type="screen4x3"/>
   <p:notesSz cx="6858000" cy="9144000"/>
@@ -216,7 +217,7 @@
           <a:p>
             <a:fld id="{2E86FABA-D603-46B8-94C7-F73A40963B6B}" type="datetimeFigureOut">
               <a:rPr lang="ru-RU" smtClean="0"/>
-              <a:t>30.04.2024</a:t>
+              <a:t>14.07.2024</a:t>
             </a:fld>
             <a:endParaRPr lang="ru-RU" dirty="0"/>
           </a:p>
@@ -1374,7 +1375,7 @@
           <a:p>
             <a:fld id="{A7CEAB62-4EEE-43F2-A223-FD26436F8458}" type="datetime1">
               <a:rPr lang="ru-RU" smtClean="0"/>
-              <a:t>30.04.2024</a:t>
+              <a:t>14.07.2024</a:t>
             </a:fld>
             <a:endParaRPr lang="ru-RU" dirty="0"/>
           </a:p>
@@ -1768,10 +1769,142 @@
           </a:p>
         </p:txBody>
       </p:sp>
+      <p:sp>
+        <p:nvSpPr>
+          <p:cNvPr id="4" name="TextBox 3">
+            <a:extLst>
+              <a:ext uri="{FF2B5EF4-FFF2-40B4-BE49-F238E27FC236}">
+                <a16:creationId xmlns:a16="http://schemas.microsoft.com/office/drawing/2014/main" id="{FAAF4224-BC29-45E0-80B1-36254177444A}"/>
+              </a:ext>
+            </a:extLst>
+          </p:cNvPr>
+          <p:cNvSpPr txBox="1"/>
+          <p:nvPr/>
+        </p:nvSpPr>
+        <p:spPr>
+          <a:xfrm>
+            <a:off x="4283968" y="4509120"/>
+            <a:ext cx="4752528" cy="1754326"/>
+          </a:xfrm>
+          <a:prstGeom prst="rect">
+            <a:avLst/>
+          </a:prstGeom>
+          <a:noFill/>
+        </p:spPr>
+        <p:txBody>
+          <a:bodyPr wrap="square">
+            <a:spAutoFit/>
+          </a:bodyPr>
+          <a:lstStyle/>
+          <a:p>
+            <a:r>
+              <a:rPr lang="ru-RU" dirty="0">
+                <a:solidFill>
+                  <a:schemeClr val="bg1"/>
+                </a:solidFill>
+              </a:rPr>
+              <a:t>студента группы 21.Б12-мм, 3 курса</a:t>
+            </a:r>
+          </a:p>
+          <a:p>
+            <a:r>
+              <a:rPr lang="ru-RU" dirty="0">
+                <a:solidFill>
+                  <a:schemeClr val="bg1"/>
+                </a:solidFill>
+              </a:rPr>
+              <a:t>Семёна Николаевича Зернова</a:t>
+            </a:r>
+          </a:p>
+          <a:p>
+            <a:endParaRPr lang="ru-RU" dirty="0">
+              <a:solidFill>
+                <a:schemeClr val="bg1"/>
+              </a:solidFill>
+            </a:endParaRPr>
+          </a:p>
+          <a:p>
+            <a:r>
+              <a:rPr lang="ru-RU" dirty="0">
+                <a:solidFill>
+                  <a:schemeClr val="bg1"/>
+                </a:solidFill>
+              </a:rPr>
+              <a:t>Научный руководитель:</a:t>
+            </a:r>
+          </a:p>
+          <a:p>
+            <a:r>
+              <a:rPr lang="ru-RU" dirty="0">
+                <a:solidFill>
+                  <a:schemeClr val="bg1"/>
+                </a:solidFill>
+              </a:rPr>
+              <a:t>Заведующий кафедрой </a:t>
+            </a:r>
+            <a:r>
+              <a:rPr lang="ru-RU" dirty="0" err="1">
+                <a:solidFill>
+                  <a:schemeClr val="bg1"/>
+                </a:solidFill>
+              </a:rPr>
+              <a:t>гидроаэромеханики</a:t>
+            </a:r>
+            <a:r>
+              <a:rPr lang="ru-RU" dirty="0">
+                <a:solidFill>
+                  <a:schemeClr val="bg1"/>
+                </a:solidFill>
+              </a:rPr>
+              <a:t>,</a:t>
+            </a:r>
+          </a:p>
+          <a:p>
+            <a:r>
+              <a:rPr lang="ru-RU" dirty="0">
+                <a:solidFill>
+                  <a:schemeClr val="bg1"/>
+                </a:solidFill>
+              </a:rPr>
+              <a:t>д. ф.-м. н. Кустова Е.В.</a:t>
+            </a:r>
+          </a:p>
+        </p:txBody>
+      </p:sp>
     </p:spTree>
     <p:extLst>
       <p:ext uri="{BB962C8B-B14F-4D97-AF65-F5344CB8AC3E}">
         <p14:creationId xmlns:p14="http://schemas.microsoft.com/office/powerpoint/2010/main" val="1971362231"/>
+      </p:ext>
+    </p:extLst>
+  </p:cSld>
+  <p:clrMapOvr>
+    <a:masterClrMapping/>
+  </p:clrMapOvr>
+</p:sld>
+</file>
+
+<file path=ppt/slides/slide10.xml><?xml version="1.0" encoding="utf-8"?>
+<p:sld xmlns:a="http://schemas.openxmlformats.org/drawingml/2006/main" xmlns:r="http://schemas.openxmlformats.org/officeDocument/2006/relationships" xmlns:p="http://schemas.openxmlformats.org/presentationml/2006/main">
+  <p:cSld>
+    <p:spTree>
+      <p:nvGrpSpPr>
+        <p:cNvPr id="1" name=""/>
+        <p:cNvGrpSpPr/>
+        <p:nvPr/>
+      </p:nvGrpSpPr>
+      <p:grpSpPr>
+        <a:xfrm>
+          <a:off x="0" y="0"/>
+          <a:ext cx="0" cy="0"/>
+          <a:chOff x="0" y="0"/>
+          <a:chExt cx="0" cy="0"/>
+        </a:xfrm>
+      </p:grpSpPr>
+    </p:spTree>
+    <p:extLst>
+      <p:ext uri="{BB962C8B-B14F-4D97-AF65-F5344CB8AC3E}">
+        <p14:creationId xmlns:p14="http://schemas.microsoft.com/office/powerpoint/2010/main" val="1125376037"/>
       </p:ext>
     </p:extLst>
   </p:cSld>
@@ -1830,7 +1963,12 @@
             <p:ph idx="1"/>
           </p:nvPr>
         </p:nvSpPr>
-        <p:spPr/>
+        <p:spPr>
+          <a:xfrm>
+            <a:off x="71500" y="1035954"/>
+            <a:ext cx="8892988" cy="1168910"/>
+          </a:xfrm>
+        </p:spPr>
         <p:txBody>
           <a:bodyPr>
             <a:normAutofit/>
@@ -1841,9 +1979,47 @@
               <a:buNone/>
             </a:pPr>
             <a:r>
-              <a:rPr lang="ru-RU" dirty="0"/>
-              <a:t>Для моделирования релаксаций газов в настоящий момент используется проприетарное программное обеспечение с закрытым исходным кодом. Цель настоящей работы реализовать программный комплекс на базе библиотек с открытым исходным кодом</a:t>
-            </a:r>
+              <a:rPr lang="ru-RU" sz="2800" dirty="0"/>
+              <a:t>Цель</a:t>
+            </a:r>
+            <a:r>
+              <a:rPr lang="en-US" sz="2800" dirty="0"/>
+              <a:t> ꟷ </a:t>
+            </a:r>
+            <a:r>
+              <a:rPr lang="ru-RU" sz="2800" dirty="0"/>
+              <a:t>научиться моделировать неравновесные</a:t>
+            </a:r>
+          </a:p>
+          <a:p>
+            <a:pPr marL="0" indent="0">
+              <a:buNone/>
+            </a:pPr>
+            <a:r>
+              <a:rPr lang="ru-RU" sz="2800" dirty="0"/>
+              <a:t>течения</a:t>
+            </a:r>
+            <a:r>
+              <a:rPr lang="en-US" sz="2800" dirty="0"/>
+              <a:t> </a:t>
+            </a:r>
+            <a:r>
+              <a:rPr lang="ru-RU" sz="2800" dirty="0"/>
+              <a:t>на примере ударной волны в  смеси </a:t>
+            </a:r>
+            <a:r>
+              <a:rPr lang="en-US" sz="2800" dirty="0"/>
+              <a:t>O</a:t>
+            </a:r>
+            <a:r>
+              <a:rPr lang="en-US" sz="2800" baseline="-25000" dirty="0"/>
+              <a:t>2</a:t>
+            </a:r>
+            <a:r>
+              <a:rPr lang="en-US" sz="2800" dirty="0"/>
+              <a:t>/O</a:t>
+            </a:r>
+            <a:endParaRPr lang="ru-RU" sz="2800" dirty="0"/>
           </a:p>
         </p:txBody>
       </p:sp>
@@ -1870,6 +2046,89 @@
           </a:p>
         </p:txBody>
       </p:sp>
+      <p:sp>
+        <p:nvSpPr>
+          <p:cNvPr id="7" name="TextBox 6">
+            <a:extLst>
+              <a:ext uri="{FF2B5EF4-FFF2-40B4-BE49-F238E27FC236}">
+                <a16:creationId xmlns:a16="http://schemas.microsoft.com/office/drawing/2014/main" id="{A4C95B26-2AFC-4A1D-827D-C4A9FCE30407}"/>
+              </a:ext>
+            </a:extLst>
+          </p:cNvPr>
+          <p:cNvSpPr txBox="1"/>
+          <p:nvPr/>
+        </p:nvSpPr>
+        <p:spPr>
+          <a:xfrm>
+            <a:off x="467544" y="4455627"/>
+            <a:ext cx="7848872" cy="1200329"/>
+          </a:xfrm>
+          <a:prstGeom prst="rect">
+            <a:avLst/>
+          </a:prstGeom>
+          <a:noFill/>
+        </p:spPr>
+        <p:txBody>
+          <a:bodyPr wrap="square" rtlCol="0">
+            <a:spAutoFit/>
+          </a:bodyPr>
+          <a:lstStyle/>
+          <a:p>
+            <a:pPr marL="0" indent="0">
+              <a:buNone/>
+            </a:pPr>
+            <a:endParaRPr lang="ru-RU" sz="1800" dirty="0"/>
+          </a:p>
+          <a:p>
+            <a:pPr marL="0" indent="0">
+              <a:buNone/>
+            </a:pPr>
+            <a:r>
+              <a:rPr lang="ru-RU" sz="1800" dirty="0"/>
+              <a:t>Для моделирования релаксаций газов в настоящий момент используется проприетарное программное обеспечение с закрытым исходным кодом.</a:t>
+            </a:r>
+          </a:p>
+          <a:p>
+            <a:endParaRPr lang="ru-RU" dirty="0"/>
+          </a:p>
+        </p:txBody>
+      </p:sp>
+      <p:pic>
+        <p:nvPicPr>
+          <p:cNvPr id="9" name="Рисунок 8">
+            <a:extLst>
+              <a:ext uri="{FF2B5EF4-FFF2-40B4-BE49-F238E27FC236}">
+                <a16:creationId xmlns:a16="http://schemas.microsoft.com/office/drawing/2014/main" id="{99BD9D03-BDB4-4B2E-B93D-99B095E300F8}"/>
+              </a:ext>
+            </a:extLst>
+          </p:cNvPr>
+          <p:cNvPicPr>
+            <a:picLocks noChangeAspect="1"/>
+          </p:cNvPicPr>
+          <p:nvPr/>
+        </p:nvPicPr>
+        <p:blipFill>
+          <a:blip r:embed="rId2" cstate="print">
+            <a:extLst>
+              <a:ext uri="{28A0092B-C50C-407E-A947-70E740481C1C}">
+                <a14:useLocalDpi xmlns:a14="http://schemas.microsoft.com/office/drawing/2010/main" val="0"/>
+              </a:ext>
+            </a:extLst>
+          </a:blip>
+          <a:stretch>
+            <a:fillRect/>
+          </a:stretch>
+        </p:blipFill>
+        <p:spPr>
+          <a:xfrm>
+            <a:off x="4498097" y="2060848"/>
+            <a:ext cx="4283968" cy="2387978"/>
+          </a:xfrm>
+          <a:prstGeom prst="rect">
+            <a:avLst/>
+          </a:prstGeom>
+        </p:spPr>
+      </p:pic>
     </p:spTree>
     <p:extLst>
       <p:ext uri="{BB962C8B-B14F-4D97-AF65-F5344CB8AC3E}">
@@ -1917,7 +2176,7 @@
           <a:p>
             <a:r>
               <a:rPr lang="ru-RU" dirty="0"/>
-              <a:t>ТЕОРИЯ</a:t>
+              <a:t>Постановка задачи</a:t>
             </a:r>
           </a:p>
         </p:txBody>
@@ -1944,7 +2203,24 @@
             </a:pPr>
             <a:r>
               <a:rPr lang="ru-RU" dirty="0"/>
-              <a:t>Выпишем систему уравнений:</a:t>
+              <a:t>Выпишем систему уравнений для</a:t>
+            </a:r>
+          </a:p>
+          <a:p>
+            <a:pPr marL="0" indent="0">
+              <a:buNone/>
+            </a:pPr>
+            <a:r>
+              <a:rPr lang="ru-RU" dirty="0"/>
+              <a:t>макропараметров в нулевом приближении метода </a:t>
+            </a:r>
+            <a:r>
+              <a:rPr lang="ru-RU" dirty="0" err="1"/>
+              <a:t>Энскога</a:t>
+            </a:r>
+            <a:r>
+              <a:rPr lang="ru-RU" dirty="0"/>
+              <a:t>–Чепмена:</a:t>
             </a:r>
           </a:p>
         </p:txBody>
@@ -1977,7 +2253,7 @@
           <p:cNvPr id="6" name="Рисунок 5">
             <a:extLst>
               <a:ext uri="{FF2B5EF4-FFF2-40B4-BE49-F238E27FC236}">
-                <a16:creationId xmlns:a16="http://schemas.microsoft.com/office/drawing/2014/main" id="{EAD8570E-7D00-43A7-9E6C-82D112C65D06}"/>
+                <a16:creationId xmlns:a16="http://schemas.microsoft.com/office/drawing/2014/main" id="{E806D042-23B0-4233-A53E-DF161895A701}"/>
               </a:ext>
             </a:extLst>
           </p:cNvPr>
@@ -1994,8 +2270,8 @@
         </p:blipFill>
         <p:spPr>
           <a:xfrm>
-            <a:off x="1514898" y="2557442"/>
-            <a:ext cx="7449590" cy="2715004"/>
+            <a:off x="861494" y="3288543"/>
+            <a:ext cx="7421011" cy="1981477"/>
           </a:xfrm>
           <a:prstGeom prst="rect">
             <a:avLst/>
@@ -2005,7 +2281,7 @@
     </p:spTree>
     <p:extLst>
       <p:ext uri="{BB962C8B-B14F-4D97-AF65-F5344CB8AC3E}">
-        <p14:creationId xmlns:p14="http://schemas.microsoft.com/office/powerpoint/2010/main" val="732047036"/>
+        <p14:creationId xmlns:p14="http://schemas.microsoft.com/office/powerpoint/2010/main" val="3127482325"/>
       </p:ext>
     </p:extLst>
   </p:cSld>
@@ -2049,7 +2325,7 @@
           <a:p>
             <a:r>
               <a:rPr lang="ru-RU" dirty="0"/>
-              <a:t>РЕЗУЛЬТАТЫ</a:t>
+              <a:t>Постановка задачи</a:t>
             </a:r>
           </a:p>
         </p:txBody>
@@ -2075,10 +2351,18 @@
               <a:buNone/>
             </a:pPr>
             <a:r>
-              <a:rPr lang="ru-RU" dirty="0"/>
-              <a:t>Конвейер вычислений</a:t>
-            </a:r>
-            <a:endParaRPr lang="en-US" dirty="0"/>
+              <a:rPr lang="ru-RU" sz="2800" dirty="0"/>
+              <a:t>Для смеси O2/O, рассматриваемой в стационарной одномерной постановке, полученная</a:t>
+            </a:r>
+          </a:p>
+          <a:p>
+            <a:pPr marL="0" indent="0">
+              <a:buNone/>
+            </a:pPr>
+            <a:r>
+              <a:rPr lang="ru-RU" sz="2800" dirty="0"/>
+              <a:t>система будет иметь вид:</a:t>
+            </a:r>
           </a:p>
         </p:txBody>
       </p:sp>
@@ -2107,10 +2391,10 @@
       </p:sp>
       <p:pic>
         <p:nvPicPr>
-          <p:cNvPr id="8" name="Рисунок 7">
+          <p:cNvPr id="7" name="Рисунок 6">
             <a:extLst>
               <a:ext uri="{FF2B5EF4-FFF2-40B4-BE49-F238E27FC236}">
-                <a16:creationId xmlns:a16="http://schemas.microsoft.com/office/drawing/2014/main" id="{593EE125-C4EE-4D56-B3BD-50F4666C051B}"/>
+                <a16:creationId xmlns:a16="http://schemas.microsoft.com/office/drawing/2014/main" id="{FCAC5AF6-61C0-4922-BDF8-8C50D1A60838}"/>
               </a:ext>
             </a:extLst>
           </p:cNvPr>
@@ -2119,16 +2403,15 @@
           </p:cNvPicPr>
           <p:nvPr/>
         </p:nvPicPr>
-        <p:blipFill>
+        <p:blipFill rotWithShape="1">
           <a:blip r:embed="rId2"/>
-          <a:stretch>
-            <a:fillRect/>
-          </a:stretch>
+          <a:srcRect t="17616" b="-1"/>
+          <a:stretch/>
         </p:blipFill>
         <p:spPr>
           <a:xfrm>
-            <a:off x="971600" y="2427055"/>
-            <a:ext cx="7573432" cy="3724795"/>
+            <a:off x="179512" y="3140968"/>
+            <a:ext cx="8855968" cy="2254211"/>
           </a:xfrm>
           <a:prstGeom prst="rect">
             <a:avLst/>
@@ -2138,7 +2421,7 @@
     </p:spTree>
     <p:extLst>
       <p:ext uri="{BB962C8B-B14F-4D97-AF65-F5344CB8AC3E}">
-        <p14:creationId xmlns:p14="http://schemas.microsoft.com/office/powerpoint/2010/main" val="4167599648"/>
+        <p14:creationId xmlns:p14="http://schemas.microsoft.com/office/powerpoint/2010/main" val="732047036"/>
       </p:ext>
     </p:extLst>
   </p:cSld>
@@ -2177,14 +2460,51 @@
         </p:nvSpPr>
         <p:spPr/>
         <p:txBody>
+          <a:bodyPr/>
+          <a:lstStyle/>
+          <a:p>
+            <a:r>
+              <a:rPr lang="ru-RU" dirty="0"/>
+              <a:t>РЕЗУЛЬТАТЫ</a:t>
+            </a:r>
+          </a:p>
+        </p:txBody>
+      </p:sp>
+      <p:sp>
+        <p:nvSpPr>
+          <p:cNvPr id="3" name="Объект 2"/>
+          <p:cNvSpPr>
+            <a:spLocks noGrp="1"/>
+          </p:cNvSpPr>
+          <p:nvPr>
+            <p:ph idx="1"/>
+          </p:nvPr>
+        </p:nvSpPr>
+        <p:spPr/>
+        <p:txBody>
           <a:bodyPr>
             <a:normAutofit/>
           </a:bodyPr>
           <a:lstStyle/>
           <a:p>
+            <a:pPr marL="0" indent="0">
+              <a:buNone/>
+            </a:pPr>
             <a:r>
               <a:rPr lang="ru-RU" dirty="0"/>
-              <a:t>Результаты</a:t>
+              <a:t>Технологический стек:</a:t>
+            </a:r>
+          </a:p>
+          <a:p>
+            <a:r>
+              <a:rPr lang="en-US" dirty="0"/>
+              <a:t>Python</a:t>
+            </a:r>
+          </a:p>
+          <a:p>
+            <a:r>
+              <a:rPr lang="en-US" dirty="0"/>
+              <a:t>C++ (KAPPA)</a:t>
             </a:r>
           </a:p>
         </p:txBody>
@@ -2214,22 +2534,20 @@
       </p:sp>
       <p:pic>
         <p:nvPicPr>
-          <p:cNvPr id="9" name="Объект 8">
+          <p:cNvPr id="6" name="Рисунок 5">
             <a:extLst>
               <a:ext uri="{FF2B5EF4-FFF2-40B4-BE49-F238E27FC236}">
-                <a16:creationId xmlns:a16="http://schemas.microsoft.com/office/drawing/2014/main" id="{BD0339A2-169A-4050-AE1E-9B79F2B17002}"/>
+                <a16:creationId xmlns:a16="http://schemas.microsoft.com/office/drawing/2014/main" id="{8FF62002-E1ED-49A5-9CB6-F907C51728A1}"/>
               </a:ext>
             </a:extLst>
           </p:cNvPr>
           <p:cNvPicPr>
-            <a:picLocks noGrp="1" noChangeAspect="1"/>
+            <a:picLocks noChangeAspect="1"/>
           </p:cNvPicPr>
-          <p:nvPr>
-            <p:ph idx="1"/>
-          </p:nvPr>
+          <p:nvPr/>
         </p:nvPicPr>
         <p:blipFill>
-          <a:blip r:embed="rId2">
+          <a:blip r:embed="rId2" cstate="print">
             <a:extLst>
               <a:ext uri="{28A0092B-C50C-407E-A947-70E740481C1C}">
                 <a14:useLocalDpi xmlns:a14="http://schemas.microsoft.com/office/drawing/2010/main" val="0"/>
@@ -2242,17 +2560,20 @@
         </p:blipFill>
         <p:spPr>
           <a:xfrm>
-            <a:off x="251520" y="2584423"/>
-            <a:ext cx="4896544" cy="3672408"/>
+            <a:off x="7308304" y="1370013"/>
+            <a:ext cx="1156523" cy="1152128"/>
           </a:xfrm>
+          <a:prstGeom prst="rect">
+            <a:avLst/>
+          </a:prstGeom>
         </p:spPr>
       </p:pic>
       <p:pic>
         <p:nvPicPr>
-          <p:cNvPr id="11" name="Рисунок 10">
+          <p:cNvPr id="9" name="Рисунок 8">
             <a:extLst>
               <a:ext uri="{FF2B5EF4-FFF2-40B4-BE49-F238E27FC236}">
-                <a16:creationId xmlns:a16="http://schemas.microsoft.com/office/drawing/2014/main" id="{091E262F-BD02-47C5-9531-B1263446BAB1}"/>
+                <a16:creationId xmlns:a16="http://schemas.microsoft.com/office/drawing/2014/main" id="{1F424D7D-E4B6-4A1F-B107-AD2D5F8F2B8C}"/>
               </a:ext>
             </a:extLst>
           </p:cNvPr>
@@ -2275,8 +2596,8 @@
         </p:blipFill>
         <p:spPr>
           <a:xfrm>
-            <a:off x="4895528" y="1024054"/>
-            <a:ext cx="4248472" cy="3186354"/>
+            <a:off x="4788024" y="3167794"/>
+            <a:ext cx="2098071" cy="2358616"/>
           </a:xfrm>
           <a:prstGeom prst="rect">
             <a:avLst/>
@@ -2286,7 +2607,7 @@
     </p:spTree>
     <p:extLst>
       <p:ext uri="{BB962C8B-B14F-4D97-AF65-F5344CB8AC3E}">
-        <p14:creationId xmlns:p14="http://schemas.microsoft.com/office/powerpoint/2010/main" val="1505669132"/>
+        <p14:creationId xmlns:p14="http://schemas.microsoft.com/office/powerpoint/2010/main" val="4167599648"/>
       </p:ext>
     </p:extLst>
   </p:cSld>
@@ -2337,12 +2658,35 @@
           </a:p>
         </p:txBody>
       </p:sp>
+      <p:sp>
+        <p:nvSpPr>
+          <p:cNvPr id="4" name="Номер слайда 3"/>
+          <p:cNvSpPr>
+            <a:spLocks noGrp="1"/>
+          </p:cNvSpPr>
+          <p:nvPr>
+            <p:ph type="sldNum" sz="quarter" idx="12"/>
+          </p:nvPr>
+        </p:nvSpPr>
+        <p:spPr/>
+        <p:txBody>
+          <a:bodyPr/>
+          <a:lstStyle/>
+          <a:p>
+            <a:fld id="{B6743867-4E32-4E2D-8739-58246E7E28D2}" type="slidenum">
+              <a:rPr lang="ru-RU" smtClean="0"/>
+              <a:t>6</a:t>
+            </a:fld>
+            <a:endParaRPr lang="ru-RU" dirty="0"/>
+          </a:p>
+        </p:txBody>
+      </p:sp>
       <p:pic>
         <p:nvPicPr>
-          <p:cNvPr id="8" name="Рисунок 7">
+          <p:cNvPr id="5" name="Рисунок 4">
             <a:extLst>
               <a:ext uri="{FF2B5EF4-FFF2-40B4-BE49-F238E27FC236}">
-                <a16:creationId xmlns:a16="http://schemas.microsoft.com/office/drawing/2014/main" id="{376C8722-E521-40EB-A9CF-F4E54A82F810}"/>
+                <a16:creationId xmlns:a16="http://schemas.microsoft.com/office/drawing/2014/main" id="{D47D3BDE-7C15-4073-8065-089815767A0C}"/>
               </a:ext>
             </a:extLst>
           </p:cNvPr>
@@ -2365,8 +2709,8 @@
         </p:blipFill>
         <p:spPr>
           <a:xfrm>
-            <a:off x="134094" y="2928826"/>
-            <a:ext cx="4411315" cy="3308486"/>
+            <a:off x="4614" y="1091743"/>
+            <a:ext cx="4722283" cy="3541712"/>
           </a:xfrm>
           <a:prstGeom prst="rect">
             <a:avLst/>
@@ -2375,19 +2719,17 @@
       </p:pic>
       <p:pic>
         <p:nvPicPr>
-          <p:cNvPr id="6" name="Объект 5">
+          <p:cNvPr id="13" name="Рисунок 12">
             <a:extLst>
               <a:ext uri="{FF2B5EF4-FFF2-40B4-BE49-F238E27FC236}">
-                <a16:creationId xmlns:a16="http://schemas.microsoft.com/office/drawing/2014/main" id="{AED7819F-3455-44F2-8912-848966416C5F}"/>
+                <a16:creationId xmlns:a16="http://schemas.microsoft.com/office/drawing/2014/main" id="{553D1395-170B-4D44-B728-05B9B906CE62}"/>
               </a:ext>
             </a:extLst>
           </p:cNvPr>
           <p:cNvPicPr>
-            <a:picLocks noGrp="1" noChangeAspect="1"/>
+            <a:picLocks noChangeAspect="1"/>
           </p:cNvPicPr>
-          <p:nvPr>
-            <p:ph idx="1"/>
-          </p:nvPr>
+          <p:nvPr/>
         </p:nvPicPr>
         <p:blipFill>
           <a:blip r:embed="rId3">
@@ -2403,38 +2745,18 @@
         </p:blipFill>
         <p:spPr>
           <a:xfrm>
-            <a:off x="4137967" y="1114634"/>
-            <a:ext cx="5006034" cy="3754526"/>
+            <a:off x="4369709" y="2780928"/>
+            <a:ext cx="4774291" cy="3580718"/>
           </a:xfrm>
+          <a:prstGeom prst="rect">
+            <a:avLst/>
+          </a:prstGeom>
         </p:spPr>
       </p:pic>
-      <p:sp>
-        <p:nvSpPr>
-          <p:cNvPr id="4" name="Номер слайда 3"/>
-          <p:cNvSpPr>
-            <a:spLocks noGrp="1"/>
-          </p:cNvSpPr>
-          <p:nvPr>
-            <p:ph type="sldNum" sz="quarter" idx="12"/>
-          </p:nvPr>
-        </p:nvSpPr>
-        <p:spPr/>
-        <p:txBody>
-          <a:bodyPr/>
-          <a:lstStyle/>
-          <a:p>
-            <a:fld id="{B6743867-4E32-4E2D-8739-58246E7E28D2}" type="slidenum">
-              <a:rPr lang="ru-RU" smtClean="0"/>
-              <a:t>6</a:t>
-            </a:fld>
-            <a:endParaRPr lang="ru-RU" dirty="0"/>
-          </a:p>
-        </p:txBody>
-      </p:sp>
     </p:spTree>
     <p:extLst>
       <p:ext uri="{BB962C8B-B14F-4D97-AF65-F5344CB8AC3E}">
-        <p14:creationId xmlns:p14="http://schemas.microsoft.com/office/powerpoint/2010/main" val="1927597658"/>
+        <p14:creationId xmlns:p14="http://schemas.microsoft.com/office/powerpoint/2010/main" val="1505669132"/>
       </p:ext>
     </p:extLst>
   </p:cSld>
@@ -2493,7 +2815,12 @@
             <p:ph idx="1"/>
           </p:nvPr>
         </p:nvSpPr>
-        <p:spPr/>
+        <p:spPr>
+          <a:xfrm>
+            <a:off x="127992" y="1124744"/>
+            <a:ext cx="8229600" cy="4525963"/>
+          </a:xfrm>
+        </p:spPr>
         <p:txBody>
           <a:bodyPr>
             <a:normAutofit/>
@@ -2505,7 +2832,7 @@
             </a:pPr>
             <a:r>
               <a:rPr lang="ru-RU" dirty="0"/>
-              <a:t>Время расчётов</a:t>
+              <a:t>Производительность и точность</a:t>
             </a:r>
           </a:p>
         </p:txBody>
@@ -2535,10 +2862,10 @@
       </p:sp>
       <p:pic>
         <p:nvPicPr>
-          <p:cNvPr id="6" name="Рисунок 5">
+          <p:cNvPr id="7" name="Рисунок 6">
             <a:extLst>
               <a:ext uri="{FF2B5EF4-FFF2-40B4-BE49-F238E27FC236}">
-                <a16:creationId xmlns:a16="http://schemas.microsoft.com/office/drawing/2014/main" id="{E03E1FE6-8998-4AB6-9CC6-D1A3B3683950}"/>
+                <a16:creationId xmlns:a16="http://schemas.microsoft.com/office/drawing/2014/main" id="{B20CD3AA-1D47-4B24-BB73-BD5FA9BFB84F}"/>
               </a:ext>
             </a:extLst>
           </p:cNvPr>
@@ -2555,8 +2882,8 @@
         </p:blipFill>
         <p:spPr>
           <a:xfrm>
-            <a:off x="1673560" y="3163981"/>
-            <a:ext cx="7443103" cy="2986799"/>
+            <a:off x="455777" y="1916832"/>
+            <a:ext cx="8229600" cy="1830538"/>
           </a:xfrm>
           <a:prstGeom prst="rect">
             <a:avLst/>
@@ -2612,7 +2939,7 @@
           <a:p>
             <a:r>
               <a:rPr lang="ru-RU" dirty="0"/>
-              <a:t>Заключение</a:t>
+              <a:t>Выводы</a:t>
             </a:r>
           </a:p>
         </p:txBody>
@@ -2659,7 +2986,7 @@
         <p:spPr/>
         <p:txBody>
           <a:bodyPr>
-            <a:normAutofit lnSpcReduction="10000"/>
+            <a:normAutofit/>
           </a:bodyPr>
           <a:lstStyle/>
           <a:p>
@@ -2675,6 +3002,17 @@
               <a:rPr lang="ru-RU" dirty="0"/>
               <a:t> приближении</a:t>
             </a:r>
+            <a:endParaRPr lang="en-US" dirty="0"/>
+          </a:p>
+          <a:p>
+            <a:r>
+              <a:rPr lang="ru-RU" dirty="0" err="1"/>
+              <a:t>Однотемпературное</a:t>
+            </a:r>
+            <a:r>
+              <a:rPr lang="ru-RU" dirty="0"/>
+              <a:t> приближение показывает серьёзные расхождения с экспериментом</a:t>
+            </a:r>
           </a:p>
           <a:p>
             <a:r>
@@ -2692,35 +3030,6 @@
               <a:t>MVP</a:t>
             </a:r>
             <a:endParaRPr lang="ru-RU" dirty="0"/>
-          </a:p>
-          <a:p>
-            <a:pPr marL="0" indent="0">
-              <a:buNone/>
-            </a:pPr>
-            <a:r>
-              <a:rPr lang="ru-RU" dirty="0"/>
-              <a:t>В будущем</a:t>
-            </a:r>
-            <a:r>
-              <a:rPr lang="ru-RU"/>
-              <a:t>: интеграция </a:t>
-            </a:r>
-            <a:r>
-              <a:rPr lang="en-US" dirty="0"/>
-              <a:t>KAPPA</a:t>
-            </a:r>
-            <a:r>
-              <a:rPr lang="ru-RU" dirty="0"/>
-              <a:t>, расчёт в </a:t>
-            </a:r>
-            <a:r>
-              <a:rPr lang="ru-RU" dirty="0" err="1"/>
-              <a:t>поуровневом</a:t>
-            </a:r>
-            <a:r>
-              <a:rPr lang="ru-RU" dirty="0"/>
-              <a:t> приближении, сравнение с экспериментом, поддержка универсальных смесей и начальных условий</a:t>
-            </a:r>
           </a:p>
         </p:txBody>
       </p:sp>
@@ -2754,10 +3063,188 @@
           <a:chExt cx="0" cy="0"/>
         </a:xfrm>
       </p:grpSpPr>
+      <p:sp>
+        <p:nvSpPr>
+          <p:cNvPr id="2" name="Заголовок 1"/>
+          <p:cNvSpPr>
+            <a:spLocks noGrp="1"/>
+          </p:cNvSpPr>
+          <p:nvPr>
+            <p:ph type="title"/>
+          </p:nvPr>
+        </p:nvSpPr>
+        <p:spPr/>
+        <p:txBody>
+          <a:bodyPr>
+            <a:normAutofit/>
+          </a:bodyPr>
+          <a:lstStyle/>
+          <a:p>
+            <a:r>
+              <a:rPr lang="ru-RU" dirty="0"/>
+              <a:t>Выводы</a:t>
+            </a:r>
+          </a:p>
+        </p:txBody>
+      </p:sp>
+      <p:sp>
+        <p:nvSpPr>
+          <p:cNvPr id="4" name="Номер слайда 3"/>
+          <p:cNvSpPr>
+            <a:spLocks noGrp="1"/>
+          </p:cNvSpPr>
+          <p:nvPr>
+            <p:ph type="sldNum" sz="quarter" idx="12"/>
+          </p:nvPr>
+        </p:nvSpPr>
+        <p:spPr/>
+        <p:txBody>
+          <a:bodyPr/>
+          <a:lstStyle/>
+          <a:p>
+            <a:fld id="{B6743867-4E32-4E2D-8739-58246E7E28D2}" type="slidenum">
+              <a:rPr lang="ru-RU" smtClean="0"/>
+              <a:t>9</a:t>
+            </a:fld>
+            <a:endParaRPr lang="ru-RU" dirty="0"/>
+          </a:p>
+        </p:txBody>
+      </p:sp>
+      <p:sp>
+        <p:nvSpPr>
+          <p:cNvPr id="5" name="Объект 4">
+            <a:extLst>
+              <a:ext uri="{FF2B5EF4-FFF2-40B4-BE49-F238E27FC236}">
+                <a16:creationId xmlns:a16="http://schemas.microsoft.com/office/drawing/2014/main" id="{1BDC75CD-815A-4A66-94D5-95FFD231D9DA}"/>
+              </a:ext>
+            </a:extLst>
+          </p:cNvPr>
+          <p:cNvSpPr>
+            <a:spLocks noGrp="1"/>
+          </p:cNvSpPr>
+          <p:nvPr>
+            <p:ph idx="1"/>
+          </p:nvPr>
+        </p:nvSpPr>
+        <p:spPr/>
+        <p:txBody>
+          <a:bodyPr>
+            <a:normAutofit/>
+          </a:bodyPr>
+          <a:lstStyle/>
+          <a:p>
+            <a:pPr marL="0" indent="0">
+              <a:buNone/>
+            </a:pPr>
+            <a:r>
+              <a:rPr lang="ru-RU" dirty="0"/>
+              <a:t>В будущем:</a:t>
+            </a:r>
+            <a:endParaRPr lang="en-US" dirty="0"/>
+          </a:p>
+          <a:p>
+            <a:r>
+              <a:rPr lang="ru-RU" dirty="0"/>
+              <a:t>рассмотреть возможность использования других языков программирования или </a:t>
+            </a:r>
+            <a:r>
+              <a:rPr lang="en-US" dirty="0"/>
+              <a:t>JIT-</a:t>
+            </a:r>
+            <a:r>
+              <a:rPr lang="ru-RU" dirty="0"/>
+              <a:t>компиляции </a:t>
+            </a:r>
+            <a:r>
+              <a:rPr lang="en-US" dirty="0"/>
+              <a:t>Python, </a:t>
+            </a:r>
+          </a:p>
+          <a:p>
+            <a:r>
+              <a:rPr lang="ru-RU" dirty="0"/>
+              <a:t>интеграция </a:t>
+            </a:r>
+            <a:r>
+              <a:rPr lang="en-US" dirty="0"/>
+              <a:t>KAPPA</a:t>
+            </a:r>
+            <a:r>
+              <a:rPr lang="ru-RU" dirty="0"/>
+              <a:t>,</a:t>
+            </a:r>
+            <a:endParaRPr lang="en-US" dirty="0"/>
+          </a:p>
+          <a:p>
+            <a:r>
+              <a:rPr lang="ru-RU" dirty="0"/>
+              <a:t>расчёт в </a:t>
+            </a:r>
+            <a:r>
+              <a:rPr lang="ru-RU" dirty="0" err="1"/>
+              <a:t>поуровневом</a:t>
+            </a:r>
+            <a:r>
+              <a:rPr lang="ru-RU" dirty="0"/>
+              <a:t> приближении,</a:t>
+            </a:r>
+            <a:endParaRPr lang="en-US" dirty="0"/>
+          </a:p>
+          <a:p>
+            <a:r>
+              <a:rPr lang="ru-RU" dirty="0"/>
+              <a:t>сравнение с экспериментом,</a:t>
+            </a:r>
+            <a:endParaRPr lang="en-US" dirty="0"/>
+          </a:p>
+          <a:p>
+            <a:r>
+              <a:rPr lang="ru-RU" dirty="0"/>
+              <a:t>поддержка различных смесей</a:t>
+            </a:r>
+          </a:p>
+        </p:txBody>
+      </p:sp>
+      <p:pic>
+        <p:nvPicPr>
+          <p:cNvPr id="6" name="Рисунок 5">
+            <a:extLst>
+              <a:ext uri="{FF2B5EF4-FFF2-40B4-BE49-F238E27FC236}">
+                <a16:creationId xmlns:a16="http://schemas.microsoft.com/office/drawing/2014/main" id="{BA2557C8-C9EC-4C7C-A4D0-4FDF5199F487}"/>
+              </a:ext>
+            </a:extLst>
+          </p:cNvPr>
+          <p:cNvPicPr>
+            <a:picLocks noChangeAspect="1"/>
+          </p:cNvPicPr>
+          <p:nvPr/>
+        </p:nvPicPr>
+        <p:blipFill>
+          <a:blip r:embed="rId2" cstate="print">
+            <a:extLst>
+              <a:ext uri="{28A0092B-C50C-407E-A947-70E740481C1C}">
+                <a14:useLocalDpi xmlns:a14="http://schemas.microsoft.com/office/drawing/2010/main" val="0"/>
+              </a:ext>
+            </a:extLst>
+          </a:blip>
+          <a:stretch>
+            <a:fillRect/>
+          </a:stretch>
+        </p:blipFill>
+        <p:spPr>
+          <a:xfrm>
+            <a:off x="6876256" y="1196752"/>
+            <a:ext cx="1557807" cy="1008112"/>
+          </a:xfrm>
+          <a:prstGeom prst="rect">
+            <a:avLst/>
+          </a:prstGeom>
+        </p:spPr>
+      </p:pic>
     </p:spTree>
     <p:extLst>
       <p:ext uri="{BB962C8B-B14F-4D97-AF65-F5344CB8AC3E}">
-        <p14:creationId xmlns:p14="http://schemas.microsoft.com/office/powerpoint/2010/main" val="1125376037"/>
+        <p14:creationId xmlns:p14="http://schemas.microsoft.com/office/powerpoint/2010/main" val="3959172356"/>
       </p:ext>
     </p:extLst>
   </p:cSld>
